--- a/Алгебра полиномов.pptx
+++ b/Алгебра полиномов.pptx
@@ -330,7 +330,7 @@
           <a:p>
             <a:fld id="{1E029F1C-4D5A-454D-86FE-FF566A0E356D}" type="datetimeFigureOut">
               <a:rPr lang="ru-RU" smtClean="0"/>
-              <a:t>22.05.2023</a:t>
+              <a:t>23.05.2023</a:t>
             </a:fld>
             <a:endParaRPr lang="ru-RU"/>
           </a:p>
@@ -541,7 +541,7 @@
           <a:p>
             <a:fld id="{1E029F1C-4D5A-454D-86FE-FF566A0E356D}" type="datetimeFigureOut">
               <a:rPr lang="ru-RU" smtClean="0"/>
-              <a:t>22.05.2023</a:t>
+              <a:t>23.05.2023</a:t>
             </a:fld>
             <a:endParaRPr lang="ru-RU"/>
           </a:p>
@@ -756,7 +756,7 @@
           <a:p>
             <a:fld id="{1E029F1C-4D5A-454D-86FE-FF566A0E356D}" type="datetimeFigureOut">
               <a:rPr lang="ru-RU" smtClean="0"/>
-              <a:t>22.05.2023</a:t>
+              <a:t>23.05.2023</a:t>
             </a:fld>
             <a:endParaRPr lang="ru-RU"/>
           </a:p>
@@ -957,7 +957,7 @@
           <a:p>
             <a:fld id="{1E029F1C-4D5A-454D-86FE-FF566A0E356D}" type="datetimeFigureOut">
               <a:rPr lang="ru-RU" smtClean="0"/>
-              <a:t>22.05.2023</a:t>
+              <a:t>23.05.2023</a:t>
             </a:fld>
             <a:endParaRPr lang="ru-RU"/>
           </a:p>
@@ -1236,7 +1236,7 @@
           <a:p>
             <a:fld id="{1E029F1C-4D5A-454D-86FE-FF566A0E356D}" type="datetimeFigureOut">
               <a:rPr lang="ru-RU" smtClean="0"/>
-              <a:t>22.05.2023</a:t>
+              <a:t>23.05.2023</a:t>
             </a:fld>
             <a:endParaRPr lang="ru-RU"/>
           </a:p>
@@ -1504,7 +1504,7 @@
           <a:p>
             <a:fld id="{1E029F1C-4D5A-454D-86FE-FF566A0E356D}" type="datetimeFigureOut">
               <a:rPr lang="ru-RU" smtClean="0"/>
-              <a:t>22.05.2023</a:t>
+              <a:t>23.05.2023</a:t>
             </a:fld>
             <a:endParaRPr lang="ru-RU"/>
           </a:p>
@@ -1920,7 +1920,7 @@
           <a:p>
             <a:fld id="{1E029F1C-4D5A-454D-86FE-FF566A0E356D}" type="datetimeFigureOut">
               <a:rPr lang="ru-RU" smtClean="0"/>
-              <a:t>22.05.2023</a:t>
+              <a:t>23.05.2023</a:t>
             </a:fld>
             <a:endParaRPr lang="ru-RU"/>
           </a:p>
@@ -2069,7 +2069,7 @@
           <a:p>
             <a:fld id="{1E029F1C-4D5A-454D-86FE-FF566A0E356D}" type="datetimeFigureOut">
               <a:rPr lang="ru-RU" smtClean="0"/>
-              <a:t>22.05.2023</a:t>
+              <a:t>23.05.2023</a:t>
             </a:fld>
             <a:endParaRPr lang="ru-RU"/>
           </a:p>
@@ -2195,7 +2195,7 @@
           <a:p>
             <a:fld id="{1E029F1C-4D5A-454D-86FE-FF566A0E356D}" type="datetimeFigureOut">
               <a:rPr lang="ru-RU" smtClean="0"/>
-              <a:t>22.05.2023</a:t>
+              <a:t>23.05.2023</a:t>
             </a:fld>
             <a:endParaRPr lang="ru-RU"/>
           </a:p>
@@ -2446,7 +2446,7 @@
           <a:p>
             <a:fld id="{1E029F1C-4D5A-454D-86FE-FF566A0E356D}" type="datetimeFigureOut">
               <a:rPr lang="ru-RU" smtClean="0"/>
-              <a:t>22.05.2023</a:t>
+              <a:t>23.05.2023</a:t>
             </a:fld>
             <a:endParaRPr lang="ru-RU"/>
           </a:p>
@@ -2891,7 +2891,7 @@
           <a:p>
             <a:fld id="{1E029F1C-4D5A-454D-86FE-FF566A0E356D}" type="datetimeFigureOut">
               <a:rPr lang="ru-RU" smtClean="0"/>
-              <a:t>22.05.2023</a:t>
+              <a:t>23.05.2023</a:t>
             </a:fld>
             <a:endParaRPr lang="ru-RU"/>
           </a:p>
@@ -3218,7 +3218,7 @@
           <a:p>
             <a:fld id="{1E029F1C-4D5A-454D-86FE-FF566A0E356D}" type="datetimeFigureOut">
               <a:rPr lang="ru-RU" smtClean="0"/>
-              <a:t>22.05.2023</a:t>
+              <a:t>23.05.2023</a:t>
             </a:fld>
             <a:endParaRPr lang="ru-RU"/>
           </a:p>
@@ -16376,6 +16376,156 @@
           </a:p>
         </p:txBody>
       </p:sp>
+      <p:pic>
+        <p:nvPicPr>
+          <p:cNvPr id="5" name="Рисунок 4">
+            <a:extLst>
+              <a:ext uri="{FF2B5EF4-FFF2-40B4-BE49-F238E27FC236}">
+                <a16:creationId xmlns:a16="http://schemas.microsoft.com/office/drawing/2014/main" id="{84AF1803-B339-C5AC-5403-7788E3FA595F}"/>
+              </a:ext>
+            </a:extLst>
+          </p:cNvPr>
+          <p:cNvPicPr>
+            <a:picLocks noChangeAspect="1"/>
+          </p:cNvPicPr>
+          <p:nvPr/>
+        </p:nvPicPr>
+        <p:blipFill>
+          <a:blip r:embed="rId2"/>
+          <a:stretch>
+            <a:fillRect/>
+          </a:stretch>
+        </p:blipFill>
+        <p:spPr>
+          <a:xfrm>
+            <a:off x="620532" y="4522645"/>
+            <a:ext cx="3559281" cy="2059806"/>
+          </a:xfrm>
+          <a:prstGeom prst="rect">
+            <a:avLst/>
+          </a:prstGeom>
+        </p:spPr>
+      </p:pic>
+      <p:sp>
+        <p:nvSpPr>
+          <p:cNvPr id="7" name="TextBox 6">
+            <a:extLst>
+              <a:ext uri="{FF2B5EF4-FFF2-40B4-BE49-F238E27FC236}">
+                <a16:creationId xmlns:a16="http://schemas.microsoft.com/office/drawing/2014/main" id="{C2A40A6F-1508-2943-889A-2FD49378C1EA}"/>
+              </a:ext>
+            </a:extLst>
+          </p:cNvPr>
+          <p:cNvSpPr txBox="1"/>
+          <p:nvPr/>
+        </p:nvSpPr>
+        <p:spPr>
+          <a:xfrm>
+            <a:off x="1051634" y="3836947"/>
+            <a:ext cx="3128179" cy="646331"/>
+          </a:xfrm>
+          <a:prstGeom prst="rect">
+            <a:avLst/>
+          </a:prstGeom>
+          <a:noFill/>
+        </p:spPr>
+        <p:txBody>
+          <a:bodyPr wrap="square">
+            <a:spAutoFit/>
+          </a:bodyPr>
+          <a:lstStyle/>
+          <a:p>
+            <a:r>
+              <a:rPr lang="ru-RU" dirty="0"/>
+              <a:t>Функция </a:t>
+            </a:r>
+            <a:r>
+              <a:rPr lang="en-US" dirty="0"/>
+              <a:t>push() – </a:t>
+            </a:r>
+            <a:r>
+              <a:rPr lang="ru-RU" dirty="0"/>
+              <a:t>просто элемент вставляет в конец </a:t>
+            </a:r>
+          </a:p>
+        </p:txBody>
+      </p:sp>
+      <p:pic>
+        <p:nvPicPr>
+          <p:cNvPr id="9" name="Рисунок 8">
+            <a:extLst>
+              <a:ext uri="{FF2B5EF4-FFF2-40B4-BE49-F238E27FC236}">
+                <a16:creationId xmlns:a16="http://schemas.microsoft.com/office/drawing/2014/main" id="{8588C9C1-D86D-65FA-D7F1-67984B9C166D}"/>
+              </a:ext>
+            </a:extLst>
+          </p:cNvPr>
+          <p:cNvPicPr>
+            <a:picLocks noChangeAspect="1"/>
+          </p:cNvPicPr>
+          <p:nvPr/>
+        </p:nvPicPr>
+        <p:blipFill>
+          <a:blip r:embed="rId3"/>
+          <a:stretch>
+            <a:fillRect/>
+          </a:stretch>
+        </p:blipFill>
+        <p:spPr>
+          <a:xfrm>
+            <a:off x="5197094" y="4519503"/>
+            <a:ext cx="4882502" cy="2059806"/>
+          </a:xfrm>
+          <a:prstGeom prst="rect">
+            <a:avLst/>
+          </a:prstGeom>
+        </p:spPr>
+      </p:pic>
+      <p:sp>
+        <p:nvSpPr>
+          <p:cNvPr id="11" name="TextBox 10">
+            <a:extLst>
+              <a:ext uri="{FF2B5EF4-FFF2-40B4-BE49-F238E27FC236}">
+                <a16:creationId xmlns:a16="http://schemas.microsoft.com/office/drawing/2014/main" id="{0917DEC3-CE37-8BE0-78D2-3D6217643E1D}"/>
+              </a:ext>
+            </a:extLst>
+          </p:cNvPr>
+          <p:cNvSpPr txBox="1"/>
+          <p:nvPr/>
+        </p:nvSpPr>
+        <p:spPr>
+          <a:xfrm>
+            <a:off x="5312906" y="3835239"/>
+            <a:ext cx="4650877" cy="646331"/>
+          </a:xfrm>
+          <a:prstGeom prst="rect">
+            <a:avLst/>
+          </a:prstGeom>
+          <a:noFill/>
+        </p:spPr>
+        <p:txBody>
+          <a:bodyPr wrap="square">
+            <a:spAutoFit/>
+          </a:bodyPr>
+          <a:lstStyle/>
+          <a:p>
+            <a:r>
+              <a:rPr lang="ru-RU" dirty="0"/>
+              <a:t>Функция </a:t>
+            </a:r>
+            <a:r>
+              <a:rPr lang="en-US" dirty="0" err="1"/>
+              <a:t>destroyPol</a:t>
+            </a:r>
+            <a:r>
+              <a:rPr lang="en-US" dirty="0"/>
+              <a:t>() – </a:t>
+            </a:r>
+            <a:r>
+              <a:rPr lang="ru-RU" dirty="0"/>
+              <a:t>сдвигает элементы на одну влево начиная с удаляемой позиции</a:t>
+            </a:r>
+          </a:p>
+        </p:txBody>
+      </p:sp>
     </p:spTree>
     <p:extLst>
       <p:ext uri="{BB962C8B-B14F-4D97-AF65-F5344CB8AC3E}">
